--- a/analysis/prediction_supplement/prediction_stims.pptx
+++ b/analysis/prediction_supplement/prediction_stims.pptx
@@ -137,12 +137,12 @@
             <a:srgbClr val="A4A3A4"/>
           </p15:clr>
         </p15:guide>
-        <p15:guide id="7" orient="horz" pos="1080" userDrawn="1">
+        <p15:guide id="7" orient="horz" pos="432" userDrawn="1">
           <p15:clr>
             <a:srgbClr val="A4A3A4"/>
           </p15:clr>
         </p15:guide>
-        <p15:guide id="8" orient="horz" pos="3240" userDrawn="1">
+        <p15:guide id="8" orient="horz" pos="2784" userDrawn="1">
           <p15:clr>
             <a:srgbClr val="A4A3A4"/>
           </p15:clr>
@@ -157,12 +157,22 @@
             <a:srgbClr val="A4A3A4"/>
           </p15:clr>
         </p15:guide>
-        <p15:guide id="11" orient="horz" pos="1872" userDrawn="1">
+        <p15:guide id="11" orient="horz" pos="768" userDrawn="1">
           <p15:clr>
             <a:srgbClr val="A4A3A4"/>
           </p15:clr>
         </p15:guide>
-        <p15:guide id="12" orient="horz" pos="4032" userDrawn="1">
+        <p15:guide id="13" orient="horz" pos="3888" userDrawn="1">
+          <p15:clr>
+            <a:srgbClr val="A4A3A4"/>
+          </p15:clr>
+        </p15:guide>
+        <p15:guide id="14" orient="horz" pos="2880" userDrawn="1">
+          <p15:clr>
+            <a:srgbClr val="A4A3A4"/>
+          </p15:clr>
+        </p15:guide>
+        <p15:guide id="15" orient="horz" pos="864" userDrawn="1">
           <p15:clr>
             <a:srgbClr val="A4A3A4"/>
           </p15:clr>
@@ -320,7 +330,7 @@
           <a:p>
             <a:fld id="{4D0EE661-4FBE-AF4F-8852-1B5F5A17FDC0}" type="datetimeFigureOut">
               <a:rPr lang="en-US" smtClean="0"/>
-              <a:t>11/30/21</a:t>
+              <a:t>12/10/21</a:t>
             </a:fld>
             <a:endParaRPr lang="en-US"/>
           </a:p>
@@ -518,7 +528,7 @@
           <a:p>
             <a:fld id="{4D0EE661-4FBE-AF4F-8852-1B5F5A17FDC0}" type="datetimeFigureOut">
               <a:rPr lang="en-US" smtClean="0"/>
-              <a:t>11/30/21</a:t>
+              <a:t>12/10/21</a:t>
             </a:fld>
             <a:endParaRPr lang="en-US"/>
           </a:p>
@@ -726,7 +736,7 @@
           <a:p>
             <a:fld id="{4D0EE661-4FBE-AF4F-8852-1B5F5A17FDC0}" type="datetimeFigureOut">
               <a:rPr lang="en-US" smtClean="0"/>
-              <a:t>11/30/21</a:t>
+              <a:t>12/10/21</a:t>
             </a:fld>
             <a:endParaRPr lang="en-US"/>
           </a:p>
@@ -924,7 +934,7 @@
           <a:p>
             <a:fld id="{4D0EE661-4FBE-AF4F-8852-1B5F5A17FDC0}" type="datetimeFigureOut">
               <a:rPr lang="en-US" smtClean="0"/>
-              <a:t>11/30/21</a:t>
+              <a:t>12/10/21</a:t>
             </a:fld>
             <a:endParaRPr lang="en-US"/>
           </a:p>
@@ -1199,7 +1209,7 @@
           <a:p>
             <a:fld id="{4D0EE661-4FBE-AF4F-8852-1B5F5A17FDC0}" type="datetimeFigureOut">
               <a:rPr lang="en-US" smtClean="0"/>
-              <a:t>11/30/21</a:t>
+              <a:t>12/10/21</a:t>
             </a:fld>
             <a:endParaRPr lang="en-US"/>
           </a:p>
@@ -1464,7 +1474,7 @@
           <a:p>
             <a:fld id="{4D0EE661-4FBE-AF4F-8852-1B5F5A17FDC0}" type="datetimeFigureOut">
               <a:rPr lang="en-US" smtClean="0"/>
-              <a:t>11/30/21</a:t>
+              <a:t>12/10/21</a:t>
             </a:fld>
             <a:endParaRPr lang="en-US"/>
           </a:p>
@@ -1876,7 +1886,7 @@
           <a:p>
             <a:fld id="{4D0EE661-4FBE-AF4F-8852-1B5F5A17FDC0}" type="datetimeFigureOut">
               <a:rPr lang="en-US" smtClean="0"/>
-              <a:t>11/30/21</a:t>
+              <a:t>12/10/21</a:t>
             </a:fld>
             <a:endParaRPr lang="en-US"/>
           </a:p>
@@ -2017,7 +2027,7 @@
           <a:p>
             <a:fld id="{4D0EE661-4FBE-AF4F-8852-1B5F5A17FDC0}" type="datetimeFigureOut">
               <a:rPr lang="en-US" smtClean="0"/>
-              <a:t>11/30/21</a:t>
+              <a:t>12/10/21</a:t>
             </a:fld>
             <a:endParaRPr lang="en-US"/>
           </a:p>
@@ -2130,7 +2140,7 @@
           <a:p>
             <a:fld id="{4D0EE661-4FBE-AF4F-8852-1B5F5A17FDC0}" type="datetimeFigureOut">
               <a:rPr lang="en-US" smtClean="0"/>
-              <a:t>11/30/21</a:t>
+              <a:t>12/10/21</a:t>
             </a:fld>
             <a:endParaRPr lang="en-US"/>
           </a:p>
@@ -2441,7 +2451,7 @@
           <a:p>
             <a:fld id="{4D0EE661-4FBE-AF4F-8852-1B5F5A17FDC0}" type="datetimeFigureOut">
               <a:rPr lang="en-US" smtClean="0"/>
-              <a:t>11/30/21</a:t>
+              <a:t>12/10/21</a:t>
             </a:fld>
             <a:endParaRPr lang="en-US"/>
           </a:p>
@@ -2729,7 +2739,7 @@
           <a:p>
             <a:fld id="{4D0EE661-4FBE-AF4F-8852-1B5F5A17FDC0}" type="datetimeFigureOut">
               <a:rPr lang="en-US" smtClean="0"/>
-              <a:t>11/30/21</a:t>
+              <a:t>12/10/21</a:t>
             </a:fld>
             <a:endParaRPr lang="en-US"/>
           </a:p>
@@ -2970,7 +2980,7 @@
           <a:p>
             <a:fld id="{4D0EE661-4FBE-AF4F-8852-1B5F5A17FDC0}" type="datetimeFigureOut">
               <a:rPr lang="en-US" smtClean="0"/>
-              <a:t>11/30/21</a:t>
+              <a:t>12/10/21</a:t>
             </a:fld>
             <a:endParaRPr lang="en-US"/>
           </a:p>
@@ -3409,7 +3419,7 @@
         </p:blipFill>
         <p:spPr>
           <a:xfrm>
-            <a:off x="546447" y="576110"/>
+            <a:off x="545925" y="1122446"/>
             <a:ext cx="1905000" cy="2298700"/>
           </a:xfrm>
           <a:prstGeom prst="rect">
@@ -3439,7 +3449,7 @@
         </p:blipFill>
         <p:spPr>
           <a:xfrm>
-            <a:off x="3619500" y="576110"/>
+            <a:off x="3619500" y="694648"/>
             <a:ext cx="1905000" cy="2298700"/>
           </a:xfrm>
           <a:prstGeom prst="rect">
@@ -3469,7 +3479,7 @@
         </p:blipFill>
         <p:spPr>
           <a:xfrm>
-            <a:off x="6680027" y="576110"/>
+            <a:off x="6666893" y="701351"/>
             <a:ext cx="1905000" cy="2298700"/>
           </a:xfrm>
           <a:prstGeom prst="rect">
@@ -3499,7 +3509,7 @@
         </p:blipFill>
         <p:spPr>
           <a:xfrm>
-            <a:off x="9728027" y="576110"/>
+            <a:off x="9728549" y="868891"/>
             <a:ext cx="1905000" cy="2298700"/>
           </a:xfrm>
           <a:prstGeom prst="rect">
@@ -3529,7 +3539,7 @@
         </p:blipFill>
         <p:spPr>
           <a:xfrm>
-            <a:off x="545926" y="4008242"/>
+            <a:off x="545925" y="3898156"/>
             <a:ext cx="1905000" cy="2298700"/>
           </a:xfrm>
           <a:prstGeom prst="rect">
@@ -3559,7 +3569,7 @@
         </p:blipFill>
         <p:spPr>
           <a:xfrm>
-            <a:off x="3619500" y="4008242"/>
+            <a:off x="3623149" y="4110615"/>
             <a:ext cx="1905000" cy="2298700"/>
           </a:xfrm>
           <a:prstGeom prst="rect">
@@ -3589,7 +3599,7 @@
         </p:blipFill>
         <p:spPr>
           <a:xfrm>
-            <a:off x="6667501" y="4008242"/>
+            <a:off x="6667500" y="4060027"/>
             <a:ext cx="1905000" cy="2298700"/>
           </a:xfrm>
           <a:prstGeom prst="rect">
@@ -3619,7 +3629,7 @@
         </p:blipFill>
         <p:spPr>
           <a:xfrm>
-            <a:off x="9728027" y="4008241"/>
+            <a:off x="9728023" y="3907667"/>
             <a:ext cx="1905000" cy="2298700"/>
           </a:xfrm>
           <a:prstGeom prst="rect">
@@ -3643,8 +3653,8 @@
             </p:nvSpPr>
             <p:spPr>
               <a:xfrm>
-                <a:off x="1141309" y="2975923"/>
-                <a:ext cx="714234" cy="276999"/>
+                <a:off x="863540" y="705650"/>
+                <a:ext cx="1269771" cy="492443"/>
               </a:xfrm>
               <a:prstGeom prst="rect">
                 <a:avLst/>
@@ -3657,6 +3667,7 @@
               </a:bodyPr>
               <a:lstStyle/>
               <a:p>
+                <a:pPr/>
                 <a14:m>
                   <m:oMathPara xmlns:m="http://schemas.openxmlformats.org/officeDocument/2006/math">
                     <m:oMathParaPr>
@@ -3664,13 +3675,13 @@
                     </m:oMathParaPr>
                     <m:oMath xmlns:m="http://schemas.openxmlformats.org/officeDocument/2006/math">
                       <m:r>
-                        <a:rPr lang="en-US" b="0" i="1" smtClean="0">
+                        <a:rPr lang="en-US" sz="3200" b="0" i="1" smtClean="0">
                           <a:latin typeface="Cambria Math" panose="02040503050406030204" pitchFamily="18" charset="0"/>
                         </a:rPr>
                         <m:t>𝑡𝑟𝑖𝑎𝑙</m:t>
                       </m:r>
                       <m:r>
-                        <a:rPr lang="en-US" b="0" i="1" smtClean="0">
+                        <a:rPr lang="en-US" sz="3200" b="0" i="1" smtClean="0">
                           <a:latin typeface="Cambria Math" panose="02040503050406030204" pitchFamily="18" charset="0"/>
                         </a:rPr>
                         <m:t> 1</m:t>
@@ -3678,7 +3689,7 @@
                     </m:oMath>
                   </m:oMathPara>
                 </a14:m>
-                <a:endParaRPr lang="en-US" dirty="0"/>
+                <a:endParaRPr lang="en-US" sz="3200" dirty="0"/>
               </a:p>
             </p:txBody>
           </p:sp>
@@ -3700,8 +3711,8 @@
             </p:nvSpPr>
             <p:spPr>
               <a:xfrm>
-                <a:off x="1141309" y="2975923"/>
-                <a:ext cx="714234" cy="276999"/>
+                <a:off x="863540" y="705650"/>
+                <a:ext cx="1269771" cy="492443"/>
               </a:xfrm>
               <a:prstGeom prst="rect">
                 <a:avLst/>
@@ -3709,7 +3720,7 @@
               <a:blipFill>
                 <a:blip r:embed="rId10"/>
                 <a:stretch>
-                  <a:fillRect l="-7018" t="-8696" r="-7018" b="-34783"/>
+                  <a:fillRect l="-8000" t="-7500" r="-8000" b="-35000"/>
                 </a:stretch>
               </a:blipFill>
             </p:spPr>
@@ -3744,8 +3755,8 @@
             </p:nvSpPr>
             <p:spPr>
               <a:xfrm>
-                <a:off x="4214883" y="2971800"/>
-                <a:ext cx="714234" cy="276999"/>
+                <a:off x="3949033" y="705159"/>
+                <a:ext cx="1269771" cy="492443"/>
               </a:xfrm>
               <a:prstGeom prst="rect">
                 <a:avLst/>
@@ -3758,6 +3769,7 @@
               </a:bodyPr>
               <a:lstStyle/>
               <a:p>
+                <a:pPr/>
                 <a14:m>
                   <m:oMathPara xmlns:m="http://schemas.openxmlformats.org/officeDocument/2006/math">
                     <m:oMathParaPr>
@@ -3765,13 +3777,13 @@
                     </m:oMathParaPr>
                     <m:oMath xmlns:m="http://schemas.openxmlformats.org/officeDocument/2006/math">
                       <m:r>
-                        <a:rPr lang="en-US" b="0" i="1" smtClean="0">
+                        <a:rPr lang="en-US" sz="3200" b="0" i="1" smtClean="0">
                           <a:latin typeface="Cambria Math" panose="02040503050406030204" pitchFamily="18" charset="0"/>
                         </a:rPr>
                         <m:t>𝑡𝑟𝑖𝑎𝑙</m:t>
                       </m:r>
                       <m:r>
-                        <a:rPr lang="en-US" b="0" i="1" smtClean="0">
+                        <a:rPr lang="en-US" sz="3200" b="0" i="1" smtClean="0">
                           <a:latin typeface="Cambria Math" panose="02040503050406030204" pitchFamily="18" charset="0"/>
                         </a:rPr>
                         <m:t> 2</m:t>
@@ -3779,7 +3791,7 @@
                     </m:oMath>
                   </m:oMathPara>
                 </a14:m>
-                <a:endParaRPr lang="en-US" dirty="0"/>
+                <a:endParaRPr lang="en-US" sz="3200" dirty="0"/>
               </a:p>
             </p:txBody>
           </p:sp>
@@ -3801,8 +3813,8 @@
             </p:nvSpPr>
             <p:spPr>
               <a:xfrm>
-                <a:off x="4214883" y="2971800"/>
-                <a:ext cx="714234" cy="276999"/>
+                <a:off x="3949033" y="705159"/>
+                <a:ext cx="1269771" cy="492443"/>
               </a:xfrm>
               <a:prstGeom prst="rect">
                 <a:avLst/>
@@ -3810,7 +3822,7 @@
               <a:blipFill>
                 <a:blip r:embed="rId11"/>
                 <a:stretch>
-                  <a:fillRect l="-6897" t="-9091" r="-6897" b="-36364"/>
+                  <a:fillRect l="-8000" t="-7500" r="-8000" b="-35000"/>
                 </a:stretch>
               </a:blipFill>
             </p:spPr>
@@ -3845,8 +3857,8 @@
             </p:nvSpPr>
             <p:spPr>
               <a:xfrm>
-                <a:off x="7262884" y="2984325"/>
-                <a:ext cx="714234" cy="276999"/>
+                <a:off x="6985114" y="705650"/>
+                <a:ext cx="1269771" cy="492443"/>
               </a:xfrm>
               <a:prstGeom prst="rect">
                 <a:avLst/>
@@ -3854,11 +3866,12 @@
               <a:noFill/>
             </p:spPr>
             <p:txBody>
-              <a:bodyPr wrap="none" lIns="0" tIns="0" rIns="0" bIns="0" rtlCol="0">
+              <a:bodyPr wrap="square" lIns="0" tIns="0" rIns="0" bIns="0" rtlCol="0">
                 <a:spAutoFit/>
               </a:bodyPr>
               <a:lstStyle/>
               <a:p>
+                <a:pPr/>
                 <a14:m>
                   <m:oMathPara xmlns:m="http://schemas.openxmlformats.org/officeDocument/2006/math">
                     <m:oMathParaPr>
@@ -3866,13 +3879,13 @@
                     </m:oMathParaPr>
                     <m:oMath xmlns:m="http://schemas.openxmlformats.org/officeDocument/2006/math">
                       <m:r>
-                        <a:rPr lang="en-US" b="0" i="1" smtClean="0">
+                        <a:rPr lang="en-US" sz="3200" b="0" i="1" smtClean="0">
                           <a:latin typeface="Cambria Math" panose="02040503050406030204" pitchFamily="18" charset="0"/>
                         </a:rPr>
                         <m:t>𝑡𝑟𝑖𝑎𝑙</m:t>
                       </m:r>
                       <m:r>
-                        <a:rPr lang="en-US" b="0" i="1" smtClean="0">
+                        <a:rPr lang="en-US" sz="3200" b="0" i="1" smtClean="0">
                           <a:latin typeface="Cambria Math" panose="02040503050406030204" pitchFamily="18" charset="0"/>
                         </a:rPr>
                         <m:t> 3</m:t>
@@ -3880,7 +3893,7 @@
                     </m:oMath>
                   </m:oMathPara>
                 </a14:m>
-                <a:endParaRPr lang="en-US" dirty="0"/>
+                <a:endParaRPr lang="en-US" sz="3200" dirty="0"/>
               </a:p>
             </p:txBody>
           </p:sp>
@@ -3902,8 +3915,8 @@
             </p:nvSpPr>
             <p:spPr>
               <a:xfrm>
-                <a:off x="7262884" y="2984325"/>
-                <a:ext cx="714234" cy="276999"/>
+                <a:off x="6985114" y="705650"/>
+                <a:ext cx="1269771" cy="492443"/>
               </a:xfrm>
               <a:prstGeom prst="rect">
                 <a:avLst/>
@@ -3911,7 +3924,7 @@
               <a:blipFill>
                 <a:blip r:embed="rId12"/>
                 <a:stretch>
-                  <a:fillRect l="-6897" t="-9091" r="-6897" b="-40909"/>
+                  <a:fillRect l="-8000" t="-7500" r="-8000" b="-35000"/>
                 </a:stretch>
               </a:blipFill>
             </p:spPr>
@@ -3946,8 +3959,8 @@
             </p:nvSpPr>
             <p:spPr>
               <a:xfrm>
-                <a:off x="10315580" y="2981194"/>
-                <a:ext cx="714234" cy="276999"/>
+                <a:off x="10046452" y="700978"/>
+                <a:ext cx="1269771" cy="492443"/>
               </a:xfrm>
               <a:prstGeom prst="rect">
                 <a:avLst/>
@@ -3960,6 +3973,7 @@
               </a:bodyPr>
               <a:lstStyle/>
               <a:p>
+                <a:pPr/>
                 <a14:m>
                   <m:oMathPara xmlns:m="http://schemas.openxmlformats.org/officeDocument/2006/math">
                     <m:oMathParaPr>
@@ -3967,13 +3981,13 @@
                     </m:oMathParaPr>
                     <m:oMath xmlns:m="http://schemas.openxmlformats.org/officeDocument/2006/math">
                       <m:r>
-                        <a:rPr lang="en-US" b="0" i="1" smtClean="0">
+                        <a:rPr lang="en-US" sz="3200" b="0" i="1" smtClean="0">
                           <a:latin typeface="Cambria Math" panose="02040503050406030204" pitchFamily="18" charset="0"/>
                         </a:rPr>
                         <m:t>𝑡𝑟𝑖𝑎𝑙</m:t>
                       </m:r>
                       <m:r>
-                        <a:rPr lang="en-US" b="0" i="1" smtClean="0">
+                        <a:rPr lang="en-US" sz="3200" b="0" i="1" smtClean="0">
                           <a:latin typeface="Cambria Math" panose="02040503050406030204" pitchFamily="18" charset="0"/>
                         </a:rPr>
                         <m:t> 4</m:t>
@@ -3981,7 +3995,7 @@
                     </m:oMath>
                   </m:oMathPara>
                 </a14:m>
-                <a:endParaRPr lang="en-US" dirty="0"/>
+                <a:endParaRPr lang="en-US" sz="3200" dirty="0"/>
               </a:p>
             </p:txBody>
           </p:sp>
@@ -4003,8 +4017,8 @@
             </p:nvSpPr>
             <p:spPr>
               <a:xfrm>
-                <a:off x="10315580" y="2981194"/>
-                <a:ext cx="714234" cy="276999"/>
+                <a:off x="10046452" y="700978"/>
+                <a:ext cx="1269771" cy="492443"/>
               </a:xfrm>
               <a:prstGeom prst="rect">
                 <a:avLst/>
@@ -4012,7 +4026,7 @@
               <a:blipFill>
                 <a:blip r:embed="rId13"/>
                 <a:stretch>
-                  <a:fillRect l="-8772" t="-8696" r="-7018" b="-34783"/>
+                  <a:fillRect l="-8000" t="-10000" r="-7000" b="-35000"/>
                 </a:stretch>
               </a:blipFill>
             </p:spPr>
@@ -4047,8 +4061,8 @@
             </p:nvSpPr>
             <p:spPr>
               <a:xfrm>
-                <a:off x="1128783" y="6410195"/>
-                <a:ext cx="714234" cy="276999"/>
+                <a:off x="863540" y="3926539"/>
+                <a:ext cx="1269771" cy="492443"/>
               </a:xfrm>
               <a:prstGeom prst="rect">
                 <a:avLst/>
@@ -4061,6 +4075,7 @@
               </a:bodyPr>
               <a:lstStyle/>
               <a:p>
+                <a:pPr/>
                 <a14:m>
                   <m:oMathPara xmlns:m="http://schemas.openxmlformats.org/officeDocument/2006/math">
                     <m:oMathParaPr>
@@ -4068,13 +4083,13 @@
                     </m:oMathParaPr>
                     <m:oMath xmlns:m="http://schemas.openxmlformats.org/officeDocument/2006/math">
                       <m:r>
-                        <a:rPr lang="en-US" b="0" i="1" smtClean="0">
+                        <a:rPr lang="en-US" sz="3200" b="0" i="1" smtClean="0">
                           <a:latin typeface="Cambria Math" panose="02040503050406030204" pitchFamily="18" charset="0"/>
                         </a:rPr>
                         <m:t>𝑡𝑟𝑖𝑎𝑙</m:t>
                       </m:r>
                       <m:r>
-                        <a:rPr lang="en-US" b="0" i="1" smtClean="0">
+                        <a:rPr lang="en-US" sz="3200" b="0" i="1" smtClean="0">
                           <a:latin typeface="Cambria Math" panose="02040503050406030204" pitchFamily="18" charset="0"/>
                         </a:rPr>
                         <m:t> 5</m:t>
@@ -4082,7 +4097,7 @@
                     </m:oMath>
                   </m:oMathPara>
                 </a14:m>
-                <a:endParaRPr lang="en-US" dirty="0"/>
+                <a:endParaRPr lang="en-US" sz="3200" dirty="0"/>
               </a:p>
             </p:txBody>
           </p:sp>
@@ -4104,8 +4119,8 @@
             </p:nvSpPr>
             <p:spPr>
               <a:xfrm>
-                <a:off x="1128783" y="6410195"/>
-                <a:ext cx="714234" cy="276999"/>
+                <a:off x="863540" y="3926539"/>
+                <a:ext cx="1269771" cy="492443"/>
               </a:xfrm>
               <a:prstGeom prst="rect">
                 <a:avLst/>
@@ -4113,7 +4128,7 @@
               <a:blipFill>
                 <a:blip r:embed="rId14"/>
                 <a:stretch>
-                  <a:fillRect l="-7018" t="-4348" r="-8772" b="-39130"/>
+                  <a:fillRect l="-8000" t="-7692" r="-8000" b="-38462"/>
                 </a:stretch>
               </a:blipFill>
             </p:spPr>
@@ -4148,8 +4163,8 @@
             </p:nvSpPr>
             <p:spPr>
               <a:xfrm>
-                <a:off x="4222712" y="6410195"/>
-                <a:ext cx="714234" cy="276999"/>
+                <a:off x="3949033" y="3932718"/>
+                <a:ext cx="1269771" cy="492443"/>
               </a:xfrm>
               <a:prstGeom prst="rect">
                 <a:avLst/>
@@ -4162,6 +4177,7 @@
               </a:bodyPr>
               <a:lstStyle/>
               <a:p>
+                <a:pPr/>
                 <a14:m>
                   <m:oMathPara xmlns:m="http://schemas.openxmlformats.org/officeDocument/2006/math">
                     <m:oMathParaPr>
@@ -4169,13 +4185,13 @@
                     </m:oMathParaPr>
                     <m:oMath xmlns:m="http://schemas.openxmlformats.org/officeDocument/2006/math">
                       <m:r>
-                        <a:rPr lang="en-US" b="0" i="1" smtClean="0">
+                        <a:rPr lang="en-US" sz="3200" b="0" i="1" smtClean="0">
                           <a:latin typeface="Cambria Math" panose="02040503050406030204" pitchFamily="18" charset="0"/>
                         </a:rPr>
                         <m:t>𝑡𝑟𝑖𝑎𝑙</m:t>
                       </m:r>
                       <m:r>
-                        <a:rPr lang="en-US" b="0" i="1" smtClean="0">
+                        <a:rPr lang="en-US" sz="3200" b="0" i="1" smtClean="0">
                           <a:latin typeface="Cambria Math" panose="02040503050406030204" pitchFamily="18" charset="0"/>
                         </a:rPr>
                         <m:t> 6</m:t>
@@ -4183,7 +4199,7 @@
                     </m:oMath>
                   </m:oMathPara>
                 </a14:m>
-                <a:endParaRPr lang="en-US" dirty="0"/>
+                <a:endParaRPr lang="en-US" sz="3200" dirty="0"/>
               </a:p>
             </p:txBody>
           </p:sp>
@@ -4205,8 +4221,8 @@
             </p:nvSpPr>
             <p:spPr>
               <a:xfrm>
-                <a:off x="4222712" y="6410195"/>
-                <a:ext cx="714234" cy="276999"/>
+                <a:off x="3949033" y="3932718"/>
+                <a:ext cx="1269771" cy="492443"/>
               </a:xfrm>
               <a:prstGeom prst="rect">
                 <a:avLst/>
@@ -4214,108 +4230,7 @@
               <a:blipFill>
                 <a:blip r:embed="rId15"/>
                 <a:stretch>
-                  <a:fillRect l="-8772" t="-4348" r="-7018" b="-39130"/>
-                </a:stretch>
-              </a:blipFill>
-            </p:spPr>
-            <p:txBody>
-              <a:bodyPr/>
-              <a:lstStyle/>
-              <a:p>
-                <a:r>
-                  <a:rPr lang="en-US">
-                    <a:noFill/>
-                  </a:rPr>
-                  <a:t> </a:t>
-                </a:r>
-              </a:p>
-            </p:txBody>
-          </p:sp>
-        </mc:Fallback>
-      </mc:AlternateContent>
-      <mc:AlternateContent xmlns:mc="http://schemas.openxmlformats.org/markup-compatibility/2006">
-        <mc:Choice xmlns:a14="http://schemas.microsoft.com/office/drawing/2010/main" Requires="a14">
-          <p:sp>
-            <p:nvSpPr>
-              <p:cNvPr id="26" name="TextBox 25">
-                <a:extLst>
-                  <a:ext uri="{FF2B5EF4-FFF2-40B4-BE49-F238E27FC236}">
-                    <a16:creationId xmlns:a16="http://schemas.microsoft.com/office/drawing/2014/main" id="{8F1FA508-7FC8-1046-A8A1-AB7A6F3851B2}"/>
-                  </a:ext>
-                </a:extLst>
-              </p:cNvPr>
-              <p:cNvSpPr txBox="1"/>
-              <p:nvPr/>
-            </p:nvSpPr>
-            <p:spPr>
-              <a:xfrm>
-                <a:off x="7266537" y="6410195"/>
-                <a:ext cx="714234" cy="276999"/>
-              </a:xfrm>
-              <a:prstGeom prst="rect">
-                <a:avLst/>
-              </a:prstGeom>
-              <a:noFill/>
-            </p:spPr>
-            <p:txBody>
-              <a:bodyPr wrap="none" lIns="0" tIns="0" rIns="0" bIns="0" rtlCol="0">
-                <a:spAutoFit/>
-              </a:bodyPr>
-              <a:lstStyle/>
-              <a:p>
-                <a14:m>
-                  <m:oMathPara xmlns:m="http://schemas.openxmlformats.org/officeDocument/2006/math">
-                    <m:oMathParaPr>
-                      <m:jc m:val="centerGroup"/>
-                    </m:oMathParaPr>
-                    <m:oMath xmlns:m="http://schemas.openxmlformats.org/officeDocument/2006/math">
-                      <m:r>
-                        <a:rPr lang="en-US" b="0" i="1" smtClean="0">
-                          <a:latin typeface="Cambria Math" panose="02040503050406030204" pitchFamily="18" charset="0"/>
-                        </a:rPr>
-                        <m:t>𝑡𝑟𝑖𝑎𝑙</m:t>
-                      </m:r>
-                      <m:r>
-                        <a:rPr lang="en-US" b="0" i="1" smtClean="0">
-                          <a:latin typeface="Cambria Math" panose="02040503050406030204" pitchFamily="18" charset="0"/>
-                        </a:rPr>
-                        <m:t> 7</m:t>
-                      </m:r>
-                    </m:oMath>
-                  </m:oMathPara>
-                </a14:m>
-                <a:endParaRPr lang="en-US" dirty="0"/>
-              </a:p>
-            </p:txBody>
-          </p:sp>
-        </mc:Choice>
-        <mc:Fallback>
-          <p:sp>
-            <p:nvSpPr>
-              <p:cNvPr id="26" name="TextBox 25">
-                <a:extLst>
-                  <a:ext uri="{FF2B5EF4-FFF2-40B4-BE49-F238E27FC236}">
-                    <a16:creationId xmlns:a16="http://schemas.microsoft.com/office/drawing/2014/main" id="{8F1FA508-7FC8-1046-A8A1-AB7A6F3851B2}"/>
-                  </a:ext>
-                </a:extLst>
-              </p:cNvPr>
-              <p:cNvSpPr txBox="1">
-                <a:spLocks noRot="1" noChangeAspect="1" noMove="1" noResize="1" noEditPoints="1" noAdjustHandles="1" noChangeArrowheads="1" noChangeShapeType="1" noTextEdit="1"/>
-              </p:cNvSpPr>
-              <p:nvPr/>
-            </p:nvSpPr>
-            <p:spPr>
-              <a:xfrm>
-                <a:off x="7266537" y="6410195"/>
-                <a:ext cx="714234" cy="276999"/>
-              </a:xfrm>
-              <a:prstGeom prst="rect">
-                <a:avLst/>
-              </a:prstGeom>
-              <a:blipFill>
-                <a:blip r:embed="rId16"/>
-                <a:stretch>
-                  <a:fillRect l="-8772" t="-4348" r="-7018" b="-39130"/>
+                  <a:fillRect l="-8000" t="-7500" r="-8000" b="-35000"/>
                 </a:stretch>
               </a:blipFill>
             </p:spPr>
@@ -4350,8 +4265,8 @@
             </p:nvSpPr>
             <p:spPr>
               <a:xfrm>
-                <a:off x="10323931" y="6407063"/>
-                <a:ext cx="714234" cy="276999"/>
+                <a:off x="10046163" y="3932719"/>
+                <a:ext cx="1269771" cy="492443"/>
               </a:xfrm>
               <a:prstGeom prst="rect">
                 <a:avLst/>
@@ -4364,6 +4279,7 @@
               </a:bodyPr>
               <a:lstStyle/>
               <a:p>
+                <a:pPr/>
                 <a14:m>
                   <m:oMathPara xmlns:m="http://schemas.openxmlformats.org/officeDocument/2006/math">
                     <m:oMathParaPr>
@@ -4371,13 +4287,13 @@
                     </m:oMathParaPr>
                     <m:oMath xmlns:m="http://schemas.openxmlformats.org/officeDocument/2006/math">
                       <m:r>
-                        <a:rPr lang="en-US" b="0" i="1" smtClean="0">
+                        <a:rPr lang="en-US" sz="3200" b="0" i="1" smtClean="0">
                           <a:latin typeface="Cambria Math" panose="02040503050406030204" pitchFamily="18" charset="0"/>
                         </a:rPr>
                         <m:t>𝑡𝑟𝑖𝑎𝑙</m:t>
                       </m:r>
                       <m:r>
-                        <a:rPr lang="en-US" b="0" i="1" smtClean="0">
+                        <a:rPr lang="en-US" sz="3200" b="0" i="1" smtClean="0">
                           <a:latin typeface="Cambria Math" panose="02040503050406030204" pitchFamily="18" charset="0"/>
                         </a:rPr>
                         <m:t> 8</m:t>
@@ -4385,7 +4301,7 @@
                     </m:oMath>
                   </m:oMathPara>
                 </a14:m>
-                <a:endParaRPr lang="en-US" dirty="0"/>
+                <a:endParaRPr lang="en-US" sz="3200" dirty="0"/>
               </a:p>
             </p:txBody>
           </p:sp>
@@ -4407,8 +4323,110 @@
             </p:nvSpPr>
             <p:spPr>
               <a:xfrm>
-                <a:off x="10323931" y="6407063"/>
-                <a:ext cx="714234" cy="276999"/>
+                <a:off x="10046163" y="3932719"/>
+                <a:ext cx="1269771" cy="492443"/>
+              </a:xfrm>
+              <a:prstGeom prst="rect">
+                <a:avLst/>
+              </a:prstGeom>
+              <a:blipFill>
+                <a:blip r:embed="rId16"/>
+                <a:stretch>
+                  <a:fillRect l="-8000" t="-7500" r="-8000" b="-35000"/>
+                </a:stretch>
+              </a:blipFill>
+            </p:spPr>
+            <p:txBody>
+              <a:bodyPr/>
+              <a:lstStyle/>
+              <a:p>
+                <a:r>
+                  <a:rPr lang="en-US">
+                    <a:noFill/>
+                  </a:rPr>
+                  <a:t> </a:t>
+                </a:r>
+              </a:p>
+            </p:txBody>
+          </p:sp>
+        </mc:Fallback>
+      </mc:AlternateContent>
+      <mc:AlternateContent xmlns:mc="http://schemas.openxmlformats.org/markup-compatibility/2006">
+        <mc:Choice xmlns:a14="http://schemas.microsoft.com/office/drawing/2010/main" Requires="a14">
+          <p:sp>
+            <p:nvSpPr>
+              <p:cNvPr id="18" name="TextBox 17">
+                <a:extLst>
+                  <a:ext uri="{FF2B5EF4-FFF2-40B4-BE49-F238E27FC236}">
+                    <a16:creationId xmlns:a16="http://schemas.microsoft.com/office/drawing/2014/main" id="{785E3BCA-4578-B549-9C5A-DF0D1302F5B5}"/>
+                  </a:ext>
+                </a:extLst>
+              </p:cNvPr>
+              <p:cNvSpPr txBox="1"/>
+              <p:nvPr/>
+            </p:nvSpPr>
+            <p:spPr>
+              <a:xfrm>
+                <a:off x="6993200" y="3932719"/>
+                <a:ext cx="1269771" cy="492443"/>
+              </a:xfrm>
+              <a:prstGeom prst="rect">
+                <a:avLst/>
+              </a:prstGeom>
+              <a:noFill/>
+            </p:spPr>
+            <p:txBody>
+              <a:bodyPr wrap="none" lIns="0" tIns="0" rIns="0" bIns="0" rtlCol="0">
+                <a:spAutoFit/>
+              </a:bodyPr>
+              <a:lstStyle/>
+              <a:p>
+                <a:pPr/>
+                <a14:m>
+                  <m:oMathPara xmlns:m="http://schemas.openxmlformats.org/officeDocument/2006/math">
+                    <m:oMathParaPr>
+                      <m:jc m:val="centerGroup"/>
+                    </m:oMathParaPr>
+                    <m:oMath xmlns:m="http://schemas.openxmlformats.org/officeDocument/2006/math">
+                      <m:r>
+                        <a:rPr lang="en-US" sz="3200" b="0" i="1" smtClean="0">
+                          <a:latin typeface="Cambria Math" panose="02040503050406030204" pitchFamily="18" charset="0"/>
+                        </a:rPr>
+                        <m:t>𝑡𝑟𝑖𝑎𝑙</m:t>
+                      </m:r>
+                      <m:r>
+                        <a:rPr lang="en-US" sz="3200" b="0" i="1" smtClean="0">
+                          <a:latin typeface="Cambria Math" panose="02040503050406030204" pitchFamily="18" charset="0"/>
+                        </a:rPr>
+                        <m:t> 7</m:t>
+                      </m:r>
+                    </m:oMath>
+                  </m:oMathPara>
+                </a14:m>
+                <a:endParaRPr lang="en-US" sz="3200" dirty="0"/>
+              </a:p>
+            </p:txBody>
+          </p:sp>
+        </mc:Choice>
+        <mc:Fallback>
+          <p:sp>
+            <p:nvSpPr>
+              <p:cNvPr id="18" name="TextBox 17">
+                <a:extLst>
+                  <a:ext uri="{FF2B5EF4-FFF2-40B4-BE49-F238E27FC236}">
+                    <a16:creationId xmlns:a16="http://schemas.microsoft.com/office/drawing/2014/main" id="{785E3BCA-4578-B549-9C5A-DF0D1302F5B5}"/>
+                  </a:ext>
+                </a:extLst>
+              </p:cNvPr>
+              <p:cNvSpPr txBox="1">
+                <a:spLocks noRot="1" noChangeAspect="1" noMove="1" noResize="1" noEditPoints="1" noAdjustHandles="1" noChangeArrowheads="1" noChangeShapeType="1" noTextEdit="1"/>
+              </p:cNvSpPr>
+              <p:nvPr/>
+            </p:nvSpPr>
+            <p:spPr>
+              <a:xfrm>
+                <a:off x="6993200" y="3932719"/>
+                <a:ext cx="1269771" cy="492443"/>
               </a:xfrm>
               <a:prstGeom prst="rect">
                 <a:avLst/>
@@ -4416,7 +4434,7 @@
               <a:blipFill>
                 <a:blip r:embed="rId17"/>
                 <a:stretch>
-                  <a:fillRect l="-8772" t="-8696" r="-7018" b="-34783"/>
+                  <a:fillRect l="-6931" t="-7500" r="-6931" b="-35000"/>
                 </a:stretch>
               </a:blipFill>
             </p:spPr>
